--- a/docs/pubsub.pptx
+++ b/docs/pubsub.pptx
@@ -3197,7 +3197,15 @@
             <a:pPr algn="ctr"/>
             <a:r>
               <a:rPr lang="en-US" sz="4400" b="1" u="sng" dirty="0" smtClean="0"/>
-              <a:t>SOFTWATE TOOLS</a:t>
+              <a:t>SOFTWA</a:t>
+            </a:r>
+            <a:r>
+              <a:rPr lang="x-none" altLang="en-US" sz="4400" b="1" u="sng" dirty="0" smtClean="0"/>
+              <a:t>R</a:t>
+            </a:r>
+            <a:r>
+              <a:rPr lang="en-US" sz="4400" b="1" u="sng" dirty="0" smtClean="0"/>
+              <a:t>E TOOLS</a:t>
             </a:r>
             <a:endParaRPr lang="en-US" sz="4400" b="1" u="sng" dirty="0" smtClean="0"/>
           </a:p>
@@ -3401,7 +3409,15 @@
             <a:pPr algn="just"/>
             <a:r>
               <a:rPr lang="en-US" sz="2800" b="1" dirty="0" smtClean="0"/>
-              <a:t>Mosquito</a:t>
+              <a:t>Mosquit</a:t>
+            </a:r>
+            <a:r>
+              <a:rPr lang="x-none" altLang="en-US" sz="2800" b="1" dirty="0" smtClean="0"/>
+              <a:t>t</a:t>
+            </a:r>
+            <a:r>
+              <a:rPr lang="en-US" sz="2800" b="1" dirty="0" smtClean="0"/>
+              <a:t>o</a:t>
             </a:r>
             <a:r>
               <a:rPr lang="en-US" sz="2800" dirty="0" smtClean="0"/>
@@ -4120,7 +4136,15 @@
             <a:pPr algn="ctr"/>
             <a:r>
               <a:rPr lang="en-US" dirty="0" smtClean="0"/>
-              <a:t>Mosquito</a:t>
+              <a:t>Mosquit</a:t>
+            </a:r>
+            <a:r>
+              <a:rPr lang="x-none" altLang="en-US" dirty="0" smtClean="0"/>
+              <a:t>t</a:t>
+            </a:r>
+            <a:r>
+              <a:rPr lang="en-US" dirty="0" smtClean="0"/>
+              <a:t>o</a:t>
             </a:r>
             <a:endParaRPr lang="en-IN" dirty="0"/>
           </a:p>
